--- a/Idea/VoiceAssistant IDEA presentation.pptx
+++ b/Idea/VoiceAssistant IDEA presentation.pptx
@@ -212,7 +212,7 @@
           <a:p>
             <a:fld id="{F5C9316D-6771-4A3A-90B5-3C36D086E9CF}" type="datetimeFigureOut">
               <a:rPr lang="en-IN" smtClean="0"/>
-              <a:t>20-11-2025</a:t>
+              <a:t>28-11-2025</a:t>
             </a:fld>
             <a:endParaRPr lang="en-IN"/>
           </a:p>
@@ -629,7 +629,7 @@
           <a:p>
             <a:fld id="{6DC5ED40-0D3A-4CBF-95D3-43FCD3B73C9F}" type="datetimeFigureOut">
               <a:rPr lang="en-IN" smtClean="0"/>
-              <a:t>20-11-2025</a:t>
+              <a:t>28-11-2025</a:t>
             </a:fld>
             <a:endParaRPr lang="en-IN"/>
           </a:p>
@@ -829,7 +829,7 @@
           <a:p>
             <a:fld id="{6DC5ED40-0D3A-4CBF-95D3-43FCD3B73C9F}" type="datetimeFigureOut">
               <a:rPr lang="en-IN" smtClean="0"/>
-              <a:t>20-11-2025</a:t>
+              <a:t>28-11-2025</a:t>
             </a:fld>
             <a:endParaRPr lang="en-IN"/>
           </a:p>
@@ -1039,7 +1039,7 @@
           <a:p>
             <a:fld id="{6DC5ED40-0D3A-4CBF-95D3-43FCD3B73C9F}" type="datetimeFigureOut">
               <a:rPr lang="en-IN" smtClean="0"/>
-              <a:t>20-11-2025</a:t>
+              <a:t>28-11-2025</a:t>
             </a:fld>
             <a:endParaRPr lang="en-IN"/>
           </a:p>
@@ -1239,7 +1239,7 @@
           <a:p>
             <a:fld id="{6DC5ED40-0D3A-4CBF-95D3-43FCD3B73C9F}" type="datetimeFigureOut">
               <a:rPr lang="en-IN" smtClean="0"/>
-              <a:t>20-11-2025</a:t>
+              <a:t>28-11-2025</a:t>
             </a:fld>
             <a:endParaRPr lang="en-IN"/>
           </a:p>
@@ -1515,7 +1515,7 @@
           <a:p>
             <a:fld id="{6DC5ED40-0D3A-4CBF-95D3-43FCD3B73C9F}" type="datetimeFigureOut">
               <a:rPr lang="en-IN" smtClean="0"/>
-              <a:t>20-11-2025</a:t>
+              <a:t>28-11-2025</a:t>
             </a:fld>
             <a:endParaRPr lang="en-IN"/>
           </a:p>
@@ -1783,7 +1783,7 @@
           <a:p>
             <a:fld id="{6DC5ED40-0D3A-4CBF-95D3-43FCD3B73C9F}" type="datetimeFigureOut">
               <a:rPr lang="en-IN" smtClean="0"/>
-              <a:t>20-11-2025</a:t>
+              <a:t>28-11-2025</a:t>
             </a:fld>
             <a:endParaRPr lang="en-IN"/>
           </a:p>
@@ -2198,7 +2198,7 @@
           <a:p>
             <a:fld id="{6DC5ED40-0D3A-4CBF-95D3-43FCD3B73C9F}" type="datetimeFigureOut">
               <a:rPr lang="en-IN" smtClean="0"/>
-              <a:t>20-11-2025</a:t>
+              <a:t>28-11-2025</a:t>
             </a:fld>
             <a:endParaRPr lang="en-IN"/>
           </a:p>
@@ -2340,7 +2340,7 @@
           <a:p>
             <a:fld id="{6DC5ED40-0D3A-4CBF-95D3-43FCD3B73C9F}" type="datetimeFigureOut">
               <a:rPr lang="en-IN" smtClean="0"/>
-              <a:t>20-11-2025</a:t>
+              <a:t>28-11-2025</a:t>
             </a:fld>
             <a:endParaRPr lang="en-IN"/>
           </a:p>
@@ -2453,7 +2453,7 @@
           <a:p>
             <a:fld id="{6DC5ED40-0D3A-4CBF-95D3-43FCD3B73C9F}" type="datetimeFigureOut">
               <a:rPr lang="en-IN" smtClean="0"/>
-              <a:t>20-11-2025</a:t>
+              <a:t>28-11-2025</a:t>
             </a:fld>
             <a:endParaRPr lang="en-IN"/>
           </a:p>
@@ -2766,7 +2766,7 @@
           <a:p>
             <a:fld id="{6DC5ED40-0D3A-4CBF-95D3-43FCD3B73C9F}" type="datetimeFigureOut">
               <a:rPr lang="en-IN" smtClean="0"/>
-              <a:t>20-11-2025</a:t>
+              <a:t>28-11-2025</a:t>
             </a:fld>
             <a:endParaRPr lang="en-IN"/>
           </a:p>
@@ -3055,7 +3055,7 @@
           <a:p>
             <a:fld id="{6DC5ED40-0D3A-4CBF-95D3-43FCD3B73C9F}" type="datetimeFigureOut">
               <a:rPr lang="en-IN" smtClean="0"/>
-              <a:t>20-11-2025</a:t>
+              <a:t>28-11-2025</a:t>
             </a:fld>
             <a:endParaRPr lang="en-IN"/>
           </a:p>
@@ -3298,7 +3298,7 @@
           <a:p>
             <a:fld id="{6DC5ED40-0D3A-4CBF-95D3-43FCD3B73C9F}" type="datetimeFigureOut">
               <a:rPr lang="en-IN" smtClean="0"/>
-              <a:t>20-11-2025</a:t>
+              <a:t>28-11-2025</a:t>
             </a:fld>
             <a:endParaRPr lang="en-IN"/>
           </a:p>
@@ -5610,14 +5610,14 @@
           <p:nvPr>
             <p:extLst>
               <p:ext uri="{D42A27DB-BD31-4B8C-83A1-F6EECF244321}">
-                <p14:modId xmlns:p14="http://schemas.microsoft.com/office/powerpoint/2010/main" val="4157467785"/>
+                <p14:modId xmlns:p14="http://schemas.microsoft.com/office/powerpoint/2010/main" val="2653925806"/>
               </p:ext>
             </p:extLst>
           </p:nvPr>
         </p:nvGraphicFramePr>
         <p:xfrm>
           <a:off x="1655323" y="1585608"/>
-          <a:ext cx="9122923" cy="4150160"/>
+          <a:ext cx="9122923" cy="4325968"/>
         </p:xfrm>
         <a:graphic>
           <a:graphicData uri="http://schemas.openxmlformats.org/drawingml/2006/table">
@@ -5751,7 +5751,7 @@
                         <a:buNone/>
                       </a:pPr>
                       <a:r>
-                        <a:rPr lang="en-IN" sz="2000"/>
+                        <a:rPr lang="en-IN" sz="2000" dirty="0"/>
                         <a:t>Converts speech → text (STT)</a:t>
                       </a:r>
                     </a:p>
@@ -5857,7 +5857,16 @@
                       </a:pPr>
                       <a:r>
                         <a:rPr lang="en-IN" sz="2000" b="1" dirty="0"/>
-                        <a:t>pyttsx3</a:t>
+                        <a:t>pyttsx3/</a:t>
+                      </a:r>
+                    </a:p>
+                    <a:p>
+                      <a:pPr algn="l">
+                        <a:buNone/>
+                      </a:pPr>
+                      <a:r>
+                        <a:rPr lang="en-IN" sz="2000" b="1" dirty="0"/>
+                        <a:t>Final project contained win32com.client</a:t>
                       </a:r>
                       <a:endParaRPr lang="en-IN" sz="2000" dirty="0"/>
                     </a:p>
@@ -6345,12 +6354,12 @@
           <a:lstStyle/>
           <a:p>
             <a:r>
-              <a:rPr lang="en-US" sz="1900">
+              <a:rPr lang="en-US" sz="1900" dirty="0">
                 <a:latin typeface="Bookman Old Style" panose="02050604050505020204" pitchFamily="18" charset="0"/>
               </a:rPr>
-              <a:t>     We added a chatbot feature to make the voice assistant more interactive. If a user asks something outside predefined commands, the chatbot ensures the assistant still responds meaningfully instead of failing.</a:t>
-            </a:r>
-            <a:endParaRPr lang="en-IN" sz="1900">
+              <a:t>     I added a chatbot feature to make the voice assistant more interactive. If a user asks something outside predefined commands, the chatbot ensures the assistant still responds meaningfully instead of failing.</a:t>
+            </a:r>
+            <a:endParaRPr lang="en-IN" sz="1900" dirty="0">
               <a:latin typeface="Bookman Old Style" panose="02050604050505020204" pitchFamily="18" charset="0"/>
             </a:endParaRPr>
           </a:p>
@@ -6452,7 +6461,7 @@
         <p:spPr>
           <a:xfrm>
             <a:off x="3650489" y="5384800"/>
-            <a:ext cx="4891019" cy="369332"/>
+            <a:ext cx="4879797" cy="369332"/>
           </a:xfrm>
           <a:prstGeom prst="rect">
             <a:avLst/>
@@ -6473,12 +6482,9 @@
               <a:rPr lang="en-IN" dirty="0">
                 <a:hlinkClick r:id="rId2"/>
               </a:rPr>
-              <a:t>https://discord.gg/s4qsdWS5S2</a:t>
-            </a:r>
-            <a:r>
-              <a:rPr lang="en-IN" dirty="0"/>
-              <a:t>  </a:t>
-            </a:r>
+              <a:t>https://discord.gg/P6e9PDWges</a:t>
+            </a:r>
+            <a:endParaRPr lang="en-IN" dirty="0"/>
           </a:p>
         </p:txBody>
       </p:sp>
@@ -6497,7 +6503,7 @@
         <p:spPr>
           <a:xfrm>
             <a:off x="4533134" y="5833533"/>
-            <a:ext cx="3125727" cy="369332"/>
+            <a:ext cx="3160673" cy="369332"/>
           </a:xfrm>
           <a:prstGeom prst="rect">
             <a:avLst/>
@@ -6512,7 +6518,11 @@
           <a:p>
             <a:r>
               <a:rPr lang="en-IN" dirty="0"/>
-              <a:t>PROJECT DONE BY : P-VARUN</a:t>
+              <a:t>PROJECT DONE BY : </a:t>
+            </a:r>
+            <a:r>
+              <a:rPr lang="en-IN" b="1" dirty="0"/>
+              <a:t>P-VARUN</a:t>
             </a:r>
           </a:p>
         </p:txBody>
